--- a/Animal Species Synthesis.pptx
+++ b/Animal Species Synthesis.pptx
@@ -277,7 +277,7 @@
           <a:p>
             <a:fld id="{1D8BD707-D9CF-40AE-B4C6-C98DA3205C09}" type="datetimeFigureOut">
               <a:rPr lang="en-US"/>
-              <a:t>4/4/2024</a:t>
+              <a:t>4/5/2024</a:t>
             </a:fld>
             <a:endParaRPr lang="en-US"/>
           </a:p>
@@ -457,7 +457,7 @@
           <a:p>
             <a:fld id="{1D8BD707-D9CF-40AE-B4C6-C98DA3205C09}" type="datetimeFigureOut">
               <a:rPr lang="en-US"/>
-              <a:t>4/4/2024</a:t>
+              <a:t>4/5/2024</a:t>
             </a:fld>
             <a:endParaRPr lang="en-US"/>
           </a:p>
@@ -680,7 +680,7 @@
           <a:p>
             <a:fld id="{1D8BD707-D9CF-40AE-B4C6-C98DA3205C09}" type="datetimeFigureOut">
               <a:rPr lang="en-US"/>
-              <a:t>4/4/2024</a:t>
+              <a:t>4/5/2024</a:t>
             </a:fld>
             <a:endParaRPr lang="en-US"/>
           </a:p>
@@ -837,7 +837,7 @@
           <a:p>
             <a:fld id="{1D8BD707-D9CF-40AE-B4C6-C98DA3205C09}" type="datetimeFigureOut">
               <a:rPr lang="en-US"/>
-              <a:t>4/4/2024</a:t>
+              <a:t>4/5/2024</a:t>
             </a:fld>
             <a:endParaRPr lang="en-US"/>
           </a:p>
@@ -965,7 +965,7 @@
           <a:p>
             <a:fld id="{1D8BD707-D9CF-40AE-B4C6-C98DA3205C09}" type="datetimeFigureOut">
               <a:rPr lang="en-US"/>
-              <a:t>4/4/2024</a:t>
+              <a:t>4/5/2024</a:t>
             </a:fld>
             <a:endParaRPr lang="en-US"/>
           </a:p>
@@ -1684,7 +1684,7 @@
           <a:p>
             <a:fld id="{1D8BD707-D9CF-40AE-B4C6-C98DA3205C09}" type="datetimeFigureOut">
               <a:rPr lang="en-US"/>
-              <a:t>4/4/2024</a:t>
+              <a:t>4/5/2024</a:t>
             </a:fld>
             <a:endParaRPr lang="en-US"/>
           </a:p>
@@ -2163,8 +2163,8 @@
         </p:nvSpPr>
         <p:spPr>
           <a:xfrm>
-            <a:off x="3195574" y="2067305"/>
-            <a:ext cx="7320026" cy="1001556"/>
+            <a:off x="-2971800" y="288842"/>
+            <a:ext cx="15316200" cy="878446"/>
           </a:xfrm>
           <a:prstGeom prst="rect">
             <a:avLst/>
@@ -2177,29 +2177,23 @@
           <a:lstStyle/>
           <a:p>
             <a:pPr marL="3213735">
-              <a:lnSpc>
-                <a:spcPct val="100000"/>
-              </a:lnSpc>
               <a:spcBef>
                 <a:spcPts val="130"/>
               </a:spcBef>
             </a:pPr>
             <a:r>
-              <a:rPr lang="en-US" spc="15" dirty="0" err="1"/>
-              <a:t>D.Kiruthika</a:t>
-            </a:r>
-            <a:r>
-              <a:rPr lang="en-US" spc="15" dirty="0"/>
-              <a:t> Lakshmi</a:t>
+              <a:rPr lang="en-US" sz="2800" b="0" i="0" dirty="0">
+                <a:effectLst/>
+                <a:latin typeface="Trebuchet MS" panose="020B0603020202020204" pitchFamily="34" charset="0"/>
+              </a:rPr>
+              <a:t>Animal Species Synthesis with Generative Adversarial Networks (GANs)</a:t>
             </a:r>
             <a:br>
-              <a:rPr lang="en-US" spc="15" dirty="0"/>
+              <a:rPr lang="en-IN" sz="2800" dirty="0">
+                <a:latin typeface="Trebuchet MS" panose="020B0603020202020204" pitchFamily="34" charset="0"/>
+              </a:rPr>
             </a:br>
-            <a:r>
-              <a:rPr lang="en-US" spc="15" dirty="0"/>
-              <a:t>813821205024</a:t>
-            </a:r>
-            <a:endParaRPr spc="15" dirty="0"/>
+            <a:endParaRPr lang="en-IN" sz="2800" spc="15" dirty="0"/>
           </a:p>
         </p:txBody>
       </p:sp>
@@ -2440,10 +2434,10 @@
       </p:sp>
       <p:sp>
         <p:nvSpPr>
-          <p:cNvPr id="12" name="TextBox 11">
+          <p:cNvPr id="8" name="TextBox 7">
             <a:extLst>
               <a:ext uri="{FF2B5EF4-FFF2-40B4-BE49-F238E27FC236}">
-                <a16:creationId xmlns:a16="http://schemas.microsoft.com/office/drawing/2014/main" id="{183A6D0C-B9F2-C7FF-C7EE-A409CDDC64F6}"/>
+                <a16:creationId xmlns:a16="http://schemas.microsoft.com/office/drawing/2014/main" id="{148C6069-7AAF-A566-3F6C-1FBCBA3E1C7A}"/>
               </a:ext>
             </a:extLst>
           </p:cNvPr>
@@ -2452,8 +2446,8 @@
         </p:nvSpPr>
         <p:spPr>
           <a:xfrm>
-            <a:off x="6553200" y="4267200"/>
-            <a:ext cx="1990288" cy="523220"/>
+            <a:off x="2538730" y="3124200"/>
+            <a:ext cx="5386070" cy="1631216"/>
           </a:xfrm>
           <a:prstGeom prst="rect">
             <a:avLst/>
@@ -2461,16 +2455,34 @@
           <a:noFill/>
         </p:spPr>
         <p:txBody>
-          <a:bodyPr wrap="none" rtlCol="0">
+          <a:bodyPr wrap="square" rtlCol="0">
             <a:spAutoFit/>
           </a:bodyPr>
           <a:lstStyle/>
           <a:p>
             <a:r>
-              <a:rPr lang="en-US" sz="2800" dirty="0"/>
-              <a:t>Final project</a:t>
-            </a:r>
-            <a:endParaRPr lang="en-IN" sz="2800" dirty="0"/>
+              <a:rPr lang="en-US" sz="2000" b="1" dirty="0"/>
+              <a:t>PRESENTED BY: KIRUTHIKA LAKSHMI.D</a:t>
+            </a:r>
+          </a:p>
+          <a:p>
+            <a:r>
+              <a:rPr lang="en-US" sz="2000" b="1" dirty="0"/>
+              <a:t>REGISTER NO:813821205024</a:t>
+            </a:r>
+          </a:p>
+          <a:p>
+            <a:r>
+              <a:rPr lang="en-US" sz="2000" b="1" dirty="0"/>
+              <a:t>DEPARTMENT:INFORMATION TECHNOLOGY</a:t>
+            </a:r>
+          </a:p>
+          <a:p>
+            <a:r>
+              <a:rPr lang="en-US" sz="2000" b="1" dirty="0"/>
+              <a:t>COLLEGE:SARANATHAN COLLEGE OF ENGINEERING</a:t>
+            </a:r>
+            <a:endParaRPr lang="en-IN" sz="2000" b="1" dirty="0"/>
           </a:p>
         </p:txBody>
       </p:sp>
